--- a/fig/YES24_레이아웃_이주영.pptx
+++ b/fig/YES24_레이아웃_이주영.pptx
@@ -5631,10 +5631,14 @@
           <a:lstStyle/>
           <a:p>
             <a:r>
-              <a:rPr lang="en-US" altLang="ko-KR" b="1" dirty="0" err="1" smtClean="0"/>
-              <a:t>div.loginEtc</a:t>
-            </a:r>
-            <a:endParaRPr lang="en-US" altLang="ko-KR" b="1" dirty="0"/>
+              <a:rPr lang="en-US" altLang="ko-KR" b="1" dirty="0" smtClean="0"/>
+              <a:t>div.Sec</a:t>
+            </a:r>
+            <a:r>
+              <a:rPr lang="en-US" altLang="ko-KR" b="1" dirty="0"/>
+              <a:t>3</a:t>
+            </a:r>
+            <a:endParaRPr lang="en-US" altLang="ko-KR" b="1" dirty="0" smtClean="0"/>
           </a:p>
         </p:txBody>
       </p:sp>
